--- a/Premier League 2020-21 - Working.pptx
+++ b/Premier League 2020-21 - Working.pptx
@@ -113,6 +113,11 @@
       </a:defRPr>
     </a:lvl9pPr>
   </p:defaultTextStyle>
+  <p:extLst>
+    <p:ext uri="{EFAFB233-063F-42B5-8137-9DF3F51BA10A}">
+      <p15:sldGuideLst xmlns:p15="http://schemas.microsoft.com/office/powerpoint/2012/main"/>
+    </p:ext>
+  </p:extLst>
 </p:presentation>
 </file>
 
@@ -451,7 +456,7 @@
           <a:p>
             <a:fld id="{C79D3A0E-9520-40BA-B258-423C6447C69C}" type="datetimeFigureOut">
               <a:rPr lang="en-US" smtClean="0"/>
-              <a:t>7/11/2022</a:t>
+              <a:t>7/13/2022</a:t>
             </a:fld>
             <a:endParaRPr lang="en-US"/>
           </a:p>
@@ -1539,7 +1544,7 @@
           <a:p>
             <a:fld id="{C79D3A0E-9520-40BA-B258-423C6447C69C}" type="datetimeFigureOut">
               <a:rPr lang="en-US" smtClean="0"/>
-              <a:t>7/11/2022</a:t>
+              <a:t>7/13/2022</a:t>
             </a:fld>
             <a:endParaRPr lang="en-US"/>
           </a:p>
@@ -2519,7 +2524,7 @@
           <a:p>
             <a:fld id="{C79D3A0E-9520-40BA-B258-423C6447C69C}" type="datetimeFigureOut">
               <a:rPr lang="en-US" smtClean="0"/>
-              <a:t>7/11/2022</a:t>
+              <a:t>7/13/2022</a:t>
             </a:fld>
             <a:endParaRPr lang="en-US"/>
           </a:p>
@@ -3653,7 +3658,7 @@
           <a:p>
             <a:fld id="{C79D3A0E-9520-40BA-B258-423C6447C69C}" type="datetimeFigureOut">
               <a:rPr lang="en-US" smtClean="0"/>
-              <a:t>7/11/2022</a:t>
+              <a:t>7/13/2022</a:t>
             </a:fld>
             <a:endParaRPr lang="en-US"/>
           </a:p>
@@ -4686,7 +4691,7 @@
           <a:p>
             <a:fld id="{C79D3A0E-9520-40BA-B258-423C6447C69C}" type="datetimeFigureOut">
               <a:rPr lang="en-US" smtClean="0"/>
-              <a:t>7/11/2022</a:t>
+              <a:t>7/13/2022</a:t>
             </a:fld>
             <a:endParaRPr lang="en-US"/>
           </a:p>
@@ -5346,7 +5351,7 @@
           <a:p>
             <a:fld id="{C79D3A0E-9520-40BA-B258-423C6447C69C}" type="datetimeFigureOut">
               <a:rPr lang="en-US" smtClean="0"/>
-              <a:t>7/11/2022</a:t>
+              <a:t>7/13/2022</a:t>
             </a:fld>
             <a:endParaRPr lang="en-US"/>
           </a:p>
@@ -6207,7 +6212,7 @@
           <a:p>
             <a:fld id="{C79D3A0E-9520-40BA-B258-423C6447C69C}" type="datetimeFigureOut">
               <a:rPr lang="en-US" smtClean="0"/>
-              <a:t>7/11/2022</a:t>
+              <a:t>7/13/2022</a:t>
             </a:fld>
             <a:endParaRPr lang="en-US"/>
           </a:p>
@@ -6397,7 +6402,7 @@
           <a:p>
             <a:fld id="{C79D3A0E-9520-40BA-B258-423C6447C69C}" type="datetimeFigureOut">
               <a:rPr lang="en-US" smtClean="0"/>
-              <a:t>7/11/2022</a:t>
+              <a:t>7/13/2022</a:t>
             </a:fld>
             <a:endParaRPr lang="en-US"/>
           </a:p>
@@ -7369,7 +7374,7 @@
           <a:p>
             <a:fld id="{C79D3A0E-9520-40BA-B258-423C6447C69C}" type="datetimeFigureOut">
               <a:rPr lang="en-US" smtClean="0"/>
-              <a:t>7/11/2022</a:t>
+              <a:t>7/13/2022</a:t>
             </a:fld>
             <a:endParaRPr lang="en-US"/>
           </a:p>
@@ -7580,7 +7585,7 @@
           <a:p>
             <a:fld id="{C79D3A0E-9520-40BA-B258-423C6447C69C}" type="datetimeFigureOut">
               <a:rPr lang="en-US" smtClean="0"/>
-              <a:t>7/11/2022</a:t>
+              <a:t>7/13/2022</a:t>
             </a:fld>
             <a:endParaRPr lang="en-US"/>
           </a:p>
@@ -8614,7 +8619,7 @@
           <a:p>
             <a:fld id="{C79D3A0E-9520-40BA-B258-423C6447C69C}" type="datetimeFigureOut">
               <a:rPr lang="en-US" smtClean="0"/>
-              <a:t>7/11/2022</a:t>
+              <a:t>7/13/2022</a:t>
             </a:fld>
             <a:endParaRPr lang="en-US"/>
           </a:p>
@@ -8886,7 +8891,7 @@
           <a:p>
             <a:fld id="{C79D3A0E-9520-40BA-B258-423C6447C69C}" type="datetimeFigureOut">
               <a:rPr lang="en-US" smtClean="0"/>
-              <a:t>7/11/2022</a:t>
+              <a:t>7/13/2022</a:t>
             </a:fld>
             <a:endParaRPr lang="en-US"/>
           </a:p>
@@ -9296,7 +9301,7 @@
           <a:p>
             <a:fld id="{C79D3A0E-9520-40BA-B258-423C6447C69C}" type="datetimeFigureOut">
               <a:rPr lang="en-US" smtClean="0"/>
-              <a:t>7/11/2022</a:t>
+              <a:t>7/13/2022</a:t>
             </a:fld>
             <a:endParaRPr lang="en-US"/>
           </a:p>
@@ -9423,7 +9428,7 @@
           <a:p>
             <a:fld id="{C79D3A0E-9520-40BA-B258-423C6447C69C}" type="datetimeFigureOut">
               <a:rPr lang="en-US" smtClean="0"/>
-              <a:t>7/11/2022</a:t>
+              <a:t>7/13/2022</a:t>
             </a:fld>
             <a:endParaRPr lang="en-US"/>
           </a:p>
@@ -9518,7 +9523,7 @@
           <a:p>
             <a:fld id="{C79D3A0E-9520-40BA-B258-423C6447C69C}" type="datetimeFigureOut">
               <a:rPr lang="en-US" smtClean="0"/>
-              <a:t>7/11/2022</a:t>
+              <a:t>7/13/2022</a:t>
             </a:fld>
             <a:endParaRPr lang="en-US"/>
           </a:p>
@@ -10599,7 +10604,7 @@
           <a:p>
             <a:fld id="{C79D3A0E-9520-40BA-B258-423C6447C69C}" type="datetimeFigureOut">
               <a:rPr lang="en-US" smtClean="0"/>
-              <a:t>7/11/2022</a:t>
+              <a:t>7/13/2022</a:t>
             </a:fld>
             <a:endParaRPr lang="en-US"/>
           </a:p>
@@ -11707,7 +11712,7 @@
           <a:p>
             <a:fld id="{C79D3A0E-9520-40BA-B258-423C6447C69C}" type="datetimeFigureOut">
               <a:rPr lang="en-US" smtClean="0"/>
-              <a:t>7/11/2022</a:t>
+              <a:t>7/13/2022</a:t>
             </a:fld>
             <a:endParaRPr lang="en-US"/>
           </a:p>
@@ -12704,7 +12709,7 @@
           <a:p>
             <a:fld id="{C79D3A0E-9520-40BA-B258-423C6447C69C}" type="datetimeFigureOut">
               <a:rPr lang="en-US" smtClean="0"/>
-              <a:t>7/11/2022</a:t>
+              <a:t>7/13/2022</a:t>
             </a:fld>
             <a:endParaRPr lang="en-US"/>
           </a:p>
@@ -14295,7 +14300,7 @@
           <a:p>
             <a:r>
               <a:rPr lang="en-US" dirty="0"/>
-              <a:t>JavaScript Libraries used: Leaflet, D3, </a:t>
+              <a:t>JavaScript Libraries used: Leaflet, D3</a:t>
             </a:r>
           </a:p>
         </p:txBody>

--- a/Premier League 2020-21 - Working.pptx
+++ b/Premier League 2020-21 - Working.pptx
@@ -15,6 +15,7 @@
     <p:sldId id="263" r:id="rId9"/>
     <p:sldId id="264" r:id="rId10"/>
     <p:sldId id="265" r:id="rId11"/>
+    <p:sldId id="266" r:id="rId12"/>
   </p:sldIdLst>
   <p:sldSz cx="12192000" cy="6858000"/>
   <p:notesSz cx="6858000" cy="9144000"/>
@@ -456,7 +457,7 @@
           <a:p>
             <a:fld id="{C79D3A0E-9520-40BA-B258-423C6447C69C}" type="datetimeFigureOut">
               <a:rPr lang="en-US" smtClean="0"/>
-              <a:t>7/13/2022</a:t>
+              <a:t>7/14/2022</a:t>
             </a:fld>
             <a:endParaRPr lang="en-US"/>
           </a:p>
@@ -1544,7 +1545,7 @@
           <a:p>
             <a:fld id="{C79D3A0E-9520-40BA-B258-423C6447C69C}" type="datetimeFigureOut">
               <a:rPr lang="en-US" smtClean="0"/>
-              <a:t>7/13/2022</a:t>
+              <a:t>7/14/2022</a:t>
             </a:fld>
             <a:endParaRPr lang="en-US"/>
           </a:p>
@@ -2524,7 +2525,7 @@
           <a:p>
             <a:fld id="{C79D3A0E-9520-40BA-B258-423C6447C69C}" type="datetimeFigureOut">
               <a:rPr lang="en-US" smtClean="0"/>
-              <a:t>7/13/2022</a:t>
+              <a:t>7/14/2022</a:t>
             </a:fld>
             <a:endParaRPr lang="en-US"/>
           </a:p>
@@ -3658,7 +3659,7 @@
           <a:p>
             <a:fld id="{C79D3A0E-9520-40BA-B258-423C6447C69C}" type="datetimeFigureOut">
               <a:rPr lang="en-US" smtClean="0"/>
-              <a:t>7/13/2022</a:t>
+              <a:t>7/14/2022</a:t>
             </a:fld>
             <a:endParaRPr lang="en-US"/>
           </a:p>
@@ -4691,7 +4692,7 @@
           <a:p>
             <a:fld id="{C79D3A0E-9520-40BA-B258-423C6447C69C}" type="datetimeFigureOut">
               <a:rPr lang="en-US" smtClean="0"/>
-              <a:t>7/13/2022</a:t>
+              <a:t>7/14/2022</a:t>
             </a:fld>
             <a:endParaRPr lang="en-US"/>
           </a:p>
@@ -5351,7 +5352,7 @@
           <a:p>
             <a:fld id="{C79D3A0E-9520-40BA-B258-423C6447C69C}" type="datetimeFigureOut">
               <a:rPr lang="en-US" smtClean="0"/>
-              <a:t>7/13/2022</a:t>
+              <a:t>7/14/2022</a:t>
             </a:fld>
             <a:endParaRPr lang="en-US"/>
           </a:p>
@@ -6212,7 +6213,7 @@
           <a:p>
             <a:fld id="{C79D3A0E-9520-40BA-B258-423C6447C69C}" type="datetimeFigureOut">
               <a:rPr lang="en-US" smtClean="0"/>
-              <a:t>7/13/2022</a:t>
+              <a:t>7/14/2022</a:t>
             </a:fld>
             <a:endParaRPr lang="en-US"/>
           </a:p>
@@ -6402,7 +6403,7 @@
           <a:p>
             <a:fld id="{C79D3A0E-9520-40BA-B258-423C6447C69C}" type="datetimeFigureOut">
               <a:rPr lang="en-US" smtClean="0"/>
-              <a:t>7/13/2022</a:t>
+              <a:t>7/14/2022</a:t>
             </a:fld>
             <a:endParaRPr lang="en-US"/>
           </a:p>
@@ -7374,7 +7375,7 @@
           <a:p>
             <a:fld id="{C79D3A0E-9520-40BA-B258-423C6447C69C}" type="datetimeFigureOut">
               <a:rPr lang="en-US" smtClean="0"/>
-              <a:t>7/13/2022</a:t>
+              <a:t>7/14/2022</a:t>
             </a:fld>
             <a:endParaRPr lang="en-US"/>
           </a:p>
@@ -7585,7 +7586,7 @@
           <a:p>
             <a:fld id="{C79D3A0E-9520-40BA-B258-423C6447C69C}" type="datetimeFigureOut">
               <a:rPr lang="en-US" smtClean="0"/>
-              <a:t>7/13/2022</a:t>
+              <a:t>7/14/2022</a:t>
             </a:fld>
             <a:endParaRPr lang="en-US"/>
           </a:p>
@@ -8619,7 +8620,7 @@
           <a:p>
             <a:fld id="{C79D3A0E-9520-40BA-B258-423C6447C69C}" type="datetimeFigureOut">
               <a:rPr lang="en-US" smtClean="0"/>
-              <a:t>7/13/2022</a:t>
+              <a:t>7/14/2022</a:t>
             </a:fld>
             <a:endParaRPr lang="en-US"/>
           </a:p>
@@ -8891,7 +8892,7 @@
           <a:p>
             <a:fld id="{C79D3A0E-9520-40BA-B258-423C6447C69C}" type="datetimeFigureOut">
               <a:rPr lang="en-US" smtClean="0"/>
-              <a:t>7/13/2022</a:t>
+              <a:t>7/14/2022</a:t>
             </a:fld>
             <a:endParaRPr lang="en-US"/>
           </a:p>
@@ -9301,7 +9302,7 @@
           <a:p>
             <a:fld id="{C79D3A0E-9520-40BA-B258-423C6447C69C}" type="datetimeFigureOut">
               <a:rPr lang="en-US" smtClean="0"/>
-              <a:t>7/13/2022</a:t>
+              <a:t>7/14/2022</a:t>
             </a:fld>
             <a:endParaRPr lang="en-US"/>
           </a:p>
@@ -9428,7 +9429,7 @@
           <a:p>
             <a:fld id="{C79D3A0E-9520-40BA-B258-423C6447C69C}" type="datetimeFigureOut">
               <a:rPr lang="en-US" smtClean="0"/>
-              <a:t>7/13/2022</a:t>
+              <a:t>7/14/2022</a:t>
             </a:fld>
             <a:endParaRPr lang="en-US"/>
           </a:p>
@@ -9523,7 +9524,7 @@
           <a:p>
             <a:fld id="{C79D3A0E-9520-40BA-B258-423C6447C69C}" type="datetimeFigureOut">
               <a:rPr lang="en-US" smtClean="0"/>
-              <a:t>7/13/2022</a:t>
+              <a:t>7/14/2022</a:t>
             </a:fld>
             <a:endParaRPr lang="en-US"/>
           </a:p>
@@ -10604,7 +10605,7 @@
           <a:p>
             <a:fld id="{C79D3A0E-9520-40BA-B258-423C6447C69C}" type="datetimeFigureOut">
               <a:rPr lang="en-US" smtClean="0"/>
-              <a:t>7/13/2022</a:t>
+              <a:t>7/14/2022</a:t>
             </a:fld>
             <a:endParaRPr lang="en-US"/>
           </a:p>
@@ -11712,7 +11713,7 @@
           <a:p>
             <a:fld id="{C79D3A0E-9520-40BA-B258-423C6447C69C}" type="datetimeFigureOut">
               <a:rPr lang="en-US" smtClean="0"/>
-              <a:t>7/13/2022</a:t>
+              <a:t>7/14/2022</a:t>
             </a:fld>
             <a:endParaRPr lang="en-US"/>
           </a:p>
@@ -12709,7 +12710,7 @@
           <a:p>
             <a:fld id="{C79D3A0E-9520-40BA-B258-423C6447C69C}" type="datetimeFigureOut">
               <a:rPr lang="en-US" smtClean="0"/>
-              <a:t>7/13/2022</a:t>
+              <a:t>7/14/2022</a:t>
             </a:fld>
             <a:endParaRPr lang="en-US"/>
           </a:p>
@@ -13464,10 +13465,10 @@
           <a:bodyPr/>
           <a:lstStyle/>
           <a:p>
-            <a:r>
-              <a:rPr lang="en-US" dirty="0"/>
-              <a:t>Our working page</a:t>
-            </a:r>
+            <a:pPr marL="0" indent="0">
+              <a:buNone/>
+            </a:pPr>
+            <a:endParaRPr lang="en-US" dirty="0"/>
           </a:p>
         </p:txBody>
       </p:sp>
@@ -13475,6 +13476,102 @@
     <p:extLst>
       <p:ext uri="{BB962C8B-B14F-4D97-AF65-F5344CB8AC3E}">
         <p14:creationId xmlns:p14="http://schemas.microsoft.com/office/powerpoint/2010/main" val="620258599"/>
+      </p:ext>
+    </p:extLst>
+  </p:cSld>
+  <p:clrMapOvr>
+    <a:masterClrMapping/>
+  </p:clrMapOvr>
+</p:sld>
+</file>
+
+<file path=ppt/slides/slide11.xml><?xml version="1.0" encoding="utf-8"?>
+<p:sld xmlns:a="http://schemas.openxmlformats.org/drawingml/2006/main" xmlns:r="http://schemas.openxmlformats.org/officeDocument/2006/relationships" xmlns:p="http://schemas.openxmlformats.org/presentationml/2006/main">
+  <p:cSld>
+    <p:spTree>
+      <p:nvGrpSpPr>
+        <p:cNvPr id="1" name=""/>
+        <p:cNvGrpSpPr/>
+        <p:nvPr/>
+      </p:nvGrpSpPr>
+      <p:grpSpPr>
+        <a:xfrm>
+          <a:off x="0" y="0"/>
+          <a:ext cx="0" cy="0"/>
+          <a:chOff x="0" y="0"/>
+          <a:chExt cx="0" cy="0"/>
+        </a:xfrm>
+      </p:grpSpPr>
+      <p:sp>
+        <p:nvSpPr>
+          <p:cNvPr id="2" name="Title 1">
+            <a:extLst>
+              <a:ext uri="{FF2B5EF4-FFF2-40B4-BE49-F238E27FC236}">
+                <a16:creationId xmlns:a16="http://schemas.microsoft.com/office/drawing/2014/main" id="{CC5D17C6-D55A-FA6E-7C80-326532398BAC}"/>
+              </a:ext>
+            </a:extLst>
+          </p:cNvPr>
+          <p:cNvSpPr>
+            <a:spLocks noGrp="1"/>
+          </p:cNvSpPr>
+          <p:nvPr>
+            <p:ph type="title"/>
+          </p:nvPr>
+        </p:nvSpPr>
+        <p:spPr/>
+        <p:txBody>
+          <a:bodyPr/>
+          <a:lstStyle/>
+          <a:p>
+            <a:r>
+              <a:rPr lang="en-US" dirty="0"/>
+              <a:t>Acknowledgments</a:t>
+            </a:r>
+          </a:p>
+        </p:txBody>
+      </p:sp>
+      <p:sp>
+        <p:nvSpPr>
+          <p:cNvPr id="3" name="Content Placeholder 2">
+            <a:extLst>
+              <a:ext uri="{FF2B5EF4-FFF2-40B4-BE49-F238E27FC236}">
+                <a16:creationId xmlns:a16="http://schemas.microsoft.com/office/drawing/2014/main" id="{C0D933ED-C4FF-D857-8B7B-3082F16B4B09}"/>
+              </a:ext>
+            </a:extLst>
+          </p:cNvPr>
+          <p:cNvSpPr>
+            <a:spLocks noGrp="1"/>
+          </p:cNvSpPr>
+          <p:nvPr>
+            <p:ph idx="1"/>
+          </p:nvPr>
+        </p:nvSpPr>
+        <p:spPr>
+          <a:xfrm>
+            <a:off x="1154954" y="3630044"/>
+            <a:ext cx="8825659" cy="1140364"/>
+          </a:xfrm>
+        </p:spPr>
+        <p:txBody>
+          <a:bodyPr>
+            <a:normAutofit/>
+          </a:bodyPr>
+          <a:lstStyle/>
+          <a:p>
+            <a:pPr marL="0" indent="0" algn="ctr">
+              <a:buNone/>
+            </a:pPr>
+            <a:r>
+              <a:rPr lang="en-US" sz="3200" dirty="0"/>
+              <a:t>A huge thanks to Rashmi’s husband for all of his suggestions and help</a:t>
+            </a:r>
+          </a:p>
+        </p:txBody>
+      </p:sp>
+    </p:spTree>
+    <p:extLst>
+      <p:ext uri="{BB962C8B-B14F-4D97-AF65-F5344CB8AC3E}">
+        <p14:creationId xmlns:p14="http://schemas.microsoft.com/office/powerpoint/2010/main" val="1157237650"/>
       </p:ext>
     </p:extLst>
   </p:cSld>
@@ -13624,7 +13721,7 @@
           <a:p>
             <a:r>
               <a:rPr lang="en-US" dirty="0"/>
-              <a:t>Technical Approach – Extract</a:t>
+              <a:t>Technical Processes – Extract</a:t>
             </a:r>
           </a:p>
         </p:txBody>
@@ -13754,7 +13851,7 @@
           <a:p>
             <a:r>
               <a:rPr lang="en-US" dirty="0"/>
-              <a:t>Technical Approach - Transform</a:t>
+              <a:t>Technical Processes - Transform</a:t>
             </a:r>
           </a:p>
         </p:txBody>
@@ -13946,7 +14043,7 @@
           <a:p>
             <a:r>
               <a:rPr lang="en-US" dirty="0"/>
-              <a:t>Technical Approach - Load</a:t>
+              <a:t>Technical Processes - Load</a:t>
             </a:r>
           </a:p>
         </p:txBody>
@@ -13989,10 +14086,10 @@
       </p:sp>
       <p:pic>
         <p:nvPicPr>
-          <p:cNvPr id="5" name="Picture 4">
+          <p:cNvPr id="6" name="Picture 5">
             <a:extLst>
               <a:ext uri="{FF2B5EF4-FFF2-40B4-BE49-F238E27FC236}">
-                <a16:creationId xmlns:a16="http://schemas.microsoft.com/office/drawing/2014/main" id="{5041FD0B-1355-65B9-6CD9-9C6B9827B8AA}"/>
+                <a16:creationId xmlns:a16="http://schemas.microsoft.com/office/drawing/2014/main" id="{CEEA3ACC-A43B-51DF-28C1-BC4BFC9C3DCF}"/>
               </a:ext>
             </a:extLst>
           </p:cNvPr>
@@ -14009,8 +14106,8 @@
         </p:blipFill>
         <p:spPr>
           <a:xfrm>
-            <a:off x="1564860" y="2820838"/>
-            <a:ext cx="2304706" cy="3560187"/>
+            <a:off x="1504020" y="2695534"/>
+            <a:ext cx="2015557" cy="3687429"/>
           </a:xfrm>
           <a:prstGeom prst="rect">
             <a:avLst/>
@@ -14019,10 +14116,10 @@
       </p:pic>
       <p:pic>
         <p:nvPicPr>
-          <p:cNvPr id="7" name="Picture 6">
+          <p:cNvPr id="9" name="Picture 8">
             <a:extLst>
               <a:ext uri="{FF2B5EF4-FFF2-40B4-BE49-F238E27FC236}">
-                <a16:creationId xmlns:a16="http://schemas.microsoft.com/office/drawing/2014/main" id="{C8F7269E-F57D-9F35-12A3-031A9BB64153}"/>
+                <a16:creationId xmlns:a16="http://schemas.microsoft.com/office/drawing/2014/main" id="{6F0A4910-24BB-BAC8-06C6-E4E888E0EA45}"/>
               </a:ext>
             </a:extLst>
           </p:cNvPr>
@@ -14039,8 +14136,38 @@
         </p:blipFill>
         <p:spPr>
           <a:xfrm>
-            <a:off x="4432446" y="2820838"/>
-            <a:ext cx="2619741" cy="2133898"/>
+            <a:off x="3868643" y="2695534"/>
+            <a:ext cx="2372056" cy="2257740"/>
+          </a:xfrm>
+          <a:prstGeom prst="rect">
+            <a:avLst/>
+          </a:prstGeom>
+        </p:spPr>
+      </p:pic>
+      <p:pic>
+        <p:nvPicPr>
+          <p:cNvPr id="11" name="Picture 10">
+            <a:extLst>
+              <a:ext uri="{FF2B5EF4-FFF2-40B4-BE49-F238E27FC236}">
+                <a16:creationId xmlns:a16="http://schemas.microsoft.com/office/drawing/2014/main" id="{4D21955B-F8E0-D301-0C1A-C1AC01569C4D}"/>
+              </a:ext>
+            </a:extLst>
+          </p:cNvPr>
+          <p:cNvPicPr>
+            <a:picLocks noChangeAspect="1"/>
+          </p:cNvPicPr>
+          <p:nvPr/>
+        </p:nvPicPr>
+        <p:blipFill>
+          <a:blip r:embed="rId4"/>
+          <a:stretch>
+            <a:fillRect/>
+          </a:stretch>
+        </p:blipFill>
+        <p:spPr>
+          <a:xfrm>
+            <a:off x="6737981" y="2695534"/>
+            <a:ext cx="1934444" cy="3877602"/>
           </a:xfrm>
           <a:prstGeom prst="rect">
             <a:avLst/>
@@ -14100,7 +14227,7 @@
           <a:p>
             <a:r>
               <a:rPr lang="en-US" dirty="0"/>
-              <a:t>Technical Approach - Flask</a:t>
+              <a:t>Technical Processes - Flask</a:t>
             </a:r>
           </a:p>
         </p:txBody>
@@ -14133,6 +14260,96 @@
           </a:p>
         </p:txBody>
       </p:sp>
+      <p:pic>
+        <p:nvPicPr>
+          <p:cNvPr id="5" name="Picture 4">
+            <a:extLst>
+              <a:ext uri="{FF2B5EF4-FFF2-40B4-BE49-F238E27FC236}">
+                <a16:creationId xmlns:a16="http://schemas.microsoft.com/office/drawing/2014/main" id="{6E73A574-8BA7-1E4C-F52F-2EBD60742208}"/>
+              </a:ext>
+            </a:extLst>
+          </p:cNvPr>
+          <p:cNvPicPr>
+            <a:picLocks noChangeAspect="1"/>
+          </p:cNvPicPr>
+          <p:nvPr/>
+        </p:nvPicPr>
+        <p:blipFill>
+          <a:blip r:embed="rId2"/>
+          <a:stretch>
+            <a:fillRect/>
+          </a:stretch>
+        </p:blipFill>
+        <p:spPr>
+          <a:xfrm>
+            <a:off x="1154954" y="2933685"/>
+            <a:ext cx="3296276" cy="3778658"/>
+          </a:xfrm>
+          <a:prstGeom prst="rect">
+            <a:avLst/>
+          </a:prstGeom>
+        </p:spPr>
+      </p:pic>
+      <p:pic>
+        <p:nvPicPr>
+          <p:cNvPr id="7" name="Picture 6">
+            <a:extLst>
+              <a:ext uri="{FF2B5EF4-FFF2-40B4-BE49-F238E27FC236}">
+                <a16:creationId xmlns:a16="http://schemas.microsoft.com/office/drawing/2014/main" id="{9E59E202-9E66-F841-73C6-33300FC63654}"/>
+              </a:ext>
+            </a:extLst>
+          </p:cNvPr>
+          <p:cNvPicPr>
+            <a:picLocks noChangeAspect="1"/>
+          </p:cNvPicPr>
+          <p:nvPr/>
+        </p:nvPicPr>
+        <p:blipFill>
+          <a:blip r:embed="rId3"/>
+          <a:stretch>
+            <a:fillRect/>
+          </a:stretch>
+        </p:blipFill>
+        <p:spPr>
+          <a:xfrm>
+            <a:off x="4554870" y="2933685"/>
+            <a:ext cx="3721276" cy="2009251"/>
+          </a:xfrm>
+          <a:prstGeom prst="rect">
+            <a:avLst/>
+          </a:prstGeom>
+        </p:spPr>
+      </p:pic>
+      <p:pic>
+        <p:nvPicPr>
+          <p:cNvPr id="9" name="Picture 8">
+            <a:extLst>
+              <a:ext uri="{FF2B5EF4-FFF2-40B4-BE49-F238E27FC236}">
+                <a16:creationId xmlns:a16="http://schemas.microsoft.com/office/drawing/2014/main" id="{47CBDF1F-5801-3431-A9D9-22FFA0BAA033}"/>
+              </a:ext>
+            </a:extLst>
+          </p:cNvPr>
+          <p:cNvPicPr>
+            <a:picLocks noChangeAspect="1"/>
+          </p:cNvPicPr>
+          <p:nvPr/>
+        </p:nvPicPr>
+        <p:blipFill>
+          <a:blip r:embed="rId4"/>
+          <a:stretch>
+            <a:fillRect/>
+          </a:stretch>
+        </p:blipFill>
+        <p:spPr>
+          <a:xfrm>
+            <a:off x="8388386" y="2933685"/>
+            <a:ext cx="3102660" cy="3778658"/>
+          </a:xfrm>
+          <a:prstGeom prst="rect">
+            <a:avLst/>
+          </a:prstGeom>
+        </p:spPr>
+      </p:pic>
     </p:spTree>
     <p:extLst>
       <p:ext uri="{BB962C8B-B14F-4D97-AF65-F5344CB8AC3E}">
@@ -14186,7 +14403,7 @@
           <a:p>
             <a:r>
               <a:rPr lang="en-US" dirty="0"/>
-              <a:t>Technical Approach - HTML</a:t>
+              <a:t>Technical Processes - HTML</a:t>
             </a:r>
           </a:p>
         </p:txBody>
@@ -14219,6 +14436,36 @@
           </a:p>
         </p:txBody>
       </p:sp>
+      <p:pic>
+        <p:nvPicPr>
+          <p:cNvPr id="5" name="Picture 4">
+            <a:extLst>
+              <a:ext uri="{FF2B5EF4-FFF2-40B4-BE49-F238E27FC236}">
+                <a16:creationId xmlns:a16="http://schemas.microsoft.com/office/drawing/2014/main" id="{CAF7597A-9E4D-C074-84A8-23AA3D6F1DC6}"/>
+              </a:ext>
+            </a:extLst>
+          </p:cNvPr>
+          <p:cNvPicPr>
+            <a:picLocks noChangeAspect="1"/>
+          </p:cNvPicPr>
+          <p:nvPr/>
+        </p:nvPicPr>
+        <p:blipFill>
+          <a:blip r:embed="rId2"/>
+          <a:stretch>
+            <a:fillRect/>
+          </a:stretch>
+        </p:blipFill>
+        <p:spPr>
+          <a:xfrm>
+            <a:off x="1606436" y="2995794"/>
+            <a:ext cx="4173262" cy="3569413"/>
+          </a:xfrm>
+          <a:prstGeom prst="rect">
+            <a:avLst/>
+          </a:prstGeom>
+        </p:spPr>
+      </p:pic>
     </p:spTree>
     <p:extLst>
       <p:ext uri="{BB962C8B-B14F-4D97-AF65-F5344CB8AC3E}">
@@ -14272,7 +14519,7 @@
           <a:p>
             <a:r>
               <a:rPr lang="en-US" dirty="0"/>
-              <a:t>Technical Approach - JavaScript</a:t>
+              <a:t>Technical Processes - JavaScript</a:t>
             </a:r>
           </a:p>
         </p:txBody>
@@ -14300,11 +14547,71 @@
           <a:p>
             <a:r>
               <a:rPr lang="en-US" dirty="0"/>
-              <a:t>JavaScript Libraries used: Leaflet, D3</a:t>
+              <a:t>JavaScript Libraries used: Leaflet, D3, MagicMouse.js</a:t>
             </a:r>
           </a:p>
         </p:txBody>
       </p:sp>
+      <p:pic>
+        <p:nvPicPr>
+          <p:cNvPr id="5" name="Picture 4">
+            <a:extLst>
+              <a:ext uri="{FF2B5EF4-FFF2-40B4-BE49-F238E27FC236}">
+                <a16:creationId xmlns:a16="http://schemas.microsoft.com/office/drawing/2014/main" id="{8B876665-D1F8-1D7C-8DF8-B6EF53A7EB97}"/>
+              </a:ext>
+            </a:extLst>
+          </p:cNvPr>
+          <p:cNvPicPr>
+            <a:picLocks noChangeAspect="1"/>
+          </p:cNvPicPr>
+          <p:nvPr/>
+        </p:nvPicPr>
+        <p:blipFill>
+          <a:blip r:embed="rId2"/>
+          <a:stretch>
+            <a:fillRect/>
+          </a:stretch>
+        </p:blipFill>
+        <p:spPr>
+          <a:xfrm>
+            <a:off x="1154954" y="2991696"/>
+            <a:ext cx="4176172" cy="3366493"/>
+          </a:xfrm>
+          <a:prstGeom prst="rect">
+            <a:avLst/>
+          </a:prstGeom>
+        </p:spPr>
+      </p:pic>
+      <p:pic>
+        <p:nvPicPr>
+          <p:cNvPr id="7" name="Picture 6">
+            <a:extLst>
+              <a:ext uri="{FF2B5EF4-FFF2-40B4-BE49-F238E27FC236}">
+                <a16:creationId xmlns:a16="http://schemas.microsoft.com/office/drawing/2014/main" id="{E2D87294-808F-087C-45F5-12806EACD3BD}"/>
+              </a:ext>
+            </a:extLst>
+          </p:cNvPr>
+          <p:cNvPicPr>
+            <a:picLocks noChangeAspect="1"/>
+          </p:cNvPicPr>
+          <p:nvPr/>
+        </p:nvPicPr>
+        <p:blipFill>
+          <a:blip r:embed="rId3"/>
+          <a:stretch>
+            <a:fillRect/>
+          </a:stretch>
+        </p:blipFill>
+        <p:spPr>
+          <a:xfrm>
+            <a:off x="5712537" y="2991696"/>
+            <a:ext cx="2979888" cy="1632062"/>
+          </a:xfrm>
+          <a:prstGeom prst="rect">
+            <a:avLst/>
+          </a:prstGeom>
+        </p:spPr>
+      </p:pic>
     </p:spTree>
     <p:extLst>
       <p:ext uri="{BB962C8B-B14F-4D97-AF65-F5344CB8AC3E}">
@@ -14358,7 +14665,7 @@
           <a:p>
             <a:r>
               <a:rPr lang="en-US" dirty="0"/>
-              <a:t>Technical Difficulties</a:t>
+              <a:t>Technical Challenges</a:t>
             </a:r>
           </a:p>
         </p:txBody>
@@ -14392,7 +14699,19 @@
           <a:p>
             <a:r>
               <a:rPr lang="en-US" dirty="0"/>
-              <a:t>Generating Selectors for Top 10 tables and player comparisons was difficult at times</a:t>
+              <a:t>Generating Selectors for Top 10 tables and player comparisons proved to be more of a challenge than anticipated</a:t>
+            </a:r>
+          </a:p>
+          <a:p>
+            <a:r>
+              <a:rPr lang="en-US" dirty="0"/>
+              <a:t>Compiling data for each country in the database was extraordinarily difficult at times</a:t>
+            </a:r>
+          </a:p>
+          <a:p>
+            <a:r>
+              <a:rPr lang="en-US" dirty="0"/>
+              <a:t>The originally-intended map proved to be incompatible with the final product, so we decided to change to a bubble chart</a:t>
             </a:r>
           </a:p>
           <a:p>

--- a/Premier League 2020-21 - Working.pptx
+++ b/Premier League 2020-21 - Working.pptx
@@ -15,7 +15,8 @@
     <p:sldId id="263" r:id="rId9"/>
     <p:sldId id="264" r:id="rId10"/>
     <p:sldId id="265" r:id="rId11"/>
-    <p:sldId id="266" r:id="rId12"/>
+    <p:sldId id="267" r:id="rId12"/>
+    <p:sldId id="266" r:id="rId13"/>
   </p:sldIdLst>
   <p:sldSz cx="12192000" cy="6858000"/>
   <p:notesSz cx="6858000" cy="9144000"/>
@@ -457,7 +458,7 @@
           <a:p>
             <a:fld id="{C79D3A0E-9520-40BA-B258-423C6447C69C}" type="datetimeFigureOut">
               <a:rPr lang="en-US" smtClean="0"/>
-              <a:t>7/14/2022</a:t>
+              <a:t>7/15/2022</a:t>
             </a:fld>
             <a:endParaRPr lang="en-US"/>
           </a:p>
@@ -1545,7 +1546,7 @@
           <a:p>
             <a:fld id="{C79D3A0E-9520-40BA-B258-423C6447C69C}" type="datetimeFigureOut">
               <a:rPr lang="en-US" smtClean="0"/>
-              <a:t>7/14/2022</a:t>
+              <a:t>7/15/2022</a:t>
             </a:fld>
             <a:endParaRPr lang="en-US"/>
           </a:p>
@@ -2525,7 +2526,7 @@
           <a:p>
             <a:fld id="{C79D3A0E-9520-40BA-B258-423C6447C69C}" type="datetimeFigureOut">
               <a:rPr lang="en-US" smtClean="0"/>
-              <a:t>7/14/2022</a:t>
+              <a:t>7/15/2022</a:t>
             </a:fld>
             <a:endParaRPr lang="en-US"/>
           </a:p>
@@ -3659,7 +3660,7 @@
           <a:p>
             <a:fld id="{C79D3A0E-9520-40BA-B258-423C6447C69C}" type="datetimeFigureOut">
               <a:rPr lang="en-US" smtClean="0"/>
-              <a:t>7/14/2022</a:t>
+              <a:t>7/15/2022</a:t>
             </a:fld>
             <a:endParaRPr lang="en-US"/>
           </a:p>
@@ -4692,7 +4693,7 @@
           <a:p>
             <a:fld id="{C79D3A0E-9520-40BA-B258-423C6447C69C}" type="datetimeFigureOut">
               <a:rPr lang="en-US" smtClean="0"/>
-              <a:t>7/14/2022</a:t>
+              <a:t>7/15/2022</a:t>
             </a:fld>
             <a:endParaRPr lang="en-US"/>
           </a:p>
@@ -5352,7 +5353,7 @@
           <a:p>
             <a:fld id="{C79D3A0E-9520-40BA-B258-423C6447C69C}" type="datetimeFigureOut">
               <a:rPr lang="en-US" smtClean="0"/>
-              <a:t>7/14/2022</a:t>
+              <a:t>7/15/2022</a:t>
             </a:fld>
             <a:endParaRPr lang="en-US"/>
           </a:p>
@@ -6213,7 +6214,7 @@
           <a:p>
             <a:fld id="{C79D3A0E-9520-40BA-B258-423C6447C69C}" type="datetimeFigureOut">
               <a:rPr lang="en-US" smtClean="0"/>
-              <a:t>7/14/2022</a:t>
+              <a:t>7/15/2022</a:t>
             </a:fld>
             <a:endParaRPr lang="en-US"/>
           </a:p>
@@ -6403,7 +6404,7 @@
           <a:p>
             <a:fld id="{C79D3A0E-9520-40BA-B258-423C6447C69C}" type="datetimeFigureOut">
               <a:rPr lang="en-US" smtClean="0"/>
-              <a:t>7/14/2022</a:t>
+              <a:t>7/15/2022</a:t>
             </a:fld>
             <a:endParaRPr lang="en-US"/>
           </a:p>
@@ -7375,7 +7376,7 @@
           <a:p>
             <a:fld id="{C79D3A0E-9520-40BA-B258-423C6447C69C}" type="datetimeFigureOut">
               <a:rPr lang="en-US" smtClean="0"/>
-              <a:t>7/14/2022</a:t>
+              <a:t>7/15/2022</a:t>
             </a:fld>
             <a:endParaRPr lang="en-US"/>
           </a:p>
@@ -7586,7 +7587,7 @@
           <a:p>
             <a:fld id="{C79D3A0E-9520-40BA-B258-423C6447C69C}" type="datetimeFigureOut">
               <a:rPr lang="en-US" smtClean="0"/>
-              <a:t>7/14/2022</a:t>
+              <a:t>7/15/2022</a:t>
             </a:fld>
             <a:endParaRPr lang="en-US"/>
           </a:p>
@@ -8620,7 +8621,7 @@
           <a:p>
             <a:fld id="{C79D3A0E-9520-40BA-B258-423C6447C69C}" type="datetimeFigureOut">
               <a:rPr lang="en-US" smtClean="0"/>
-              <a:t>7/14/2022</a:t>
+              <a:t>7/15/2022</a:t>
             </a:fld>
             <a:endParaRPr lang="en-US"/>
           </a:p>
@@ -8892,7 +8893,7 @@
           <a:p>
             <a:fld id="{C79D3A0E-9520-40BA-B258-423C6447C69C}" type="datetimeFigureOut">
               <a:rPr lang="en-US" smtClean="0"/>
-              <a:t>7/14/2022</a:t>
+              <a:t>7/15/2022</a:t>
             </a:fld>
             <a:endParaRPr lang="en-US"/>
           </a:p>
@@ -9302,7 +9303,7 @@
           <a:p>
             <a:fld id="{C79D3A0E-9520-40BA-B258-423C6447C69C}" type="datetimeFigureOut">
               <a:rPr lang="en-US" smtClean="0"/>
-              <a:t>7/14/2022</a:t>
+              <a:t>7/15/2022</a:t>
             </a:fld>
             <a:endParaRPr lang="en-US"/>
           </a:p>
@@ -9429,7 +9430,7 @@
           <a:p>
             <a:fld id="{C79D3A0E-9520-40BA-B258-423C6447C69C}" type="datetimeFigureOut">
               <a:rPr lang="en-US" smtClean="0"/>
-              <a:t>7/14/2022</a:t>
+              <a:t>7/15/2022</a:t>
             </a:fld>
             <a:endParaRPr lang="en-US"/>
           </a:p>
@@ -9524,7 +9525,7 @@
           <a:p>
             <a:fld id="{C79D3A0E-9520-40BA-B258-423C6447C69C}" type="datetimeFigureOut">
               <a:rPr lang="en-US" smtClean="0"/>
-              <a:t>7/14/2022</a:t>
+              <a:t>7/15/2022</a:t>
             </a:fld>
             <a:endParaRPr lang="en-US"/>
           </a:p>
@@ -10605,7 +10606,7 @@
           <a:p>
             <a:fld id="{C79D3A0E-9520-40BA-B258-423C6447C69C}" type="datetimeFigureOut">
               <a:rPr lang="en-US" smtClean="0"/>
-              <a:t>7/14/2022</a:t>
+              <a:t>7/15/2022</a:t>
             </a:fld>
             <a:endParaRPr lang="en-US"/>
           </a:p>
@@ -11713,7 +11714,7 @@
           <a:p>
             <a:fld id="{C79D3A0E-9520-40BA-B258-423C6447C69C}" type="datetimeFigureOut">
               <a:rPr lang="en-US" smtClean="0"/>
-              <a:t>7/14/2022</a:t>
+              <a:t>7/15/2022</a:t>
             </a:fld>
             <a:endParaRPr lang="en-US"/>
           </a:p>
@@ -12710,7 +12711,7 @@
           <a:p>
             <a:fld id="{C79D3A0E-9520-40BA-B258-423C6447C69C}" type="datetimeFigureOut">
               <a:rPr lang="en-US" smtClean="0"/>
-              <a:t>7/14/2022</a:t>
+              <a:t>7/15/2022</a:t>
             </a:fld>
             <a:endParaRPr lang="en-US"/>
           </a:p>
@@ -13507,6 +13508,93 @@
           <p:cNvPr id="2" name="Title 1">
             <a:extLst>
               <a:ext uri="{FF2B5EF4-FFF2-40B4-BE49-F238E27FC236}">
+                <a16:creationId xmlns:a16="http://schemas.microsoft.com/office/drawing/2014/main" id="{970FB8F9-EA50-9695-A73B-E115522D801D}"/>
+              </a:ext>
+            </a:extLst>
+          </p:cNvPr>
+          <p:cNvSpPr>
+            <a:spLocks noGrp="1"/>
+          </p:cNvSpPr>
+          <p:nvPr>
+            <p:ph type="ctrTitle"/>
+          </p:nvPr>
+        </p:nvSpPr>
+        <p:spPr/>
+        <p:txBody>
+          <a:bodyPr/>
+          <a:lstStyle/>
+          <a:p>
+            <a:r>
+              <a:rPr lang="en-US" dirty="0"/>
+              <a:t>          Any Questions?</a:t>
+            </a:r>
+            <a:br>
+              <a:rPr lang="en-US" dirty="0"/>
+            </a:br>
+            <a:endParaRPr lang="en-US" dirty="0"/>
+          </a:p>
+        </p:txBody>
+      </p:sp>
+      <p:sp>
+        <p:nvSpPr>
+          <p:cNvPr id="3" name="Subtitle 2">
+            <a:extLst>
+              <a:ext uri="{FF2B5EF4-FFF2-40B4-BE49-F238E27FC236}">
+                <a16:creationId xmlns:a16="http://schemas.microsoft.com/office/drawing/2014/main" id="{44D616BE-73E5-288E-E390-1AC670198AA7}"/>
+              </a:ext>
+            </a:extLst>
+          </p:cNvPr>
+          <p:cNvSpPr>
+            <a:spLocks noGrp="1"/>
+          </p:cNvSpPr>
+          <p:nvPr>
+            <p:ph type="subTitle" idx="1"/>
+          </p:nvPr>
+        </p:nvSpPr>
+        <p:spPr/>
+        <p:txBody>
+          <a:bodyPr/>
+          <a:lstStyle/>
+          <a:p>
+            <a:endParaRPr lang="en-US"/>
+          </a:p>
+        </p:txBody>
+      </p:sp>
+    </p:spTree>
+    <p:extLst>
+      <p:ext uri="{BB962C8B-B14F-4D97-AF65-F5344CB8AC3E}">
+        <p14:creationId xmlns:p14="http://schemas.microsoft.com/office/powerpoint/2010/main" val="348056991"/>
+      </p:ext>
+    </p:extLst>
+  </p:cSld>
+  <p:clrMapOvr>
+    <a:masterClrMapping/>
+  </p:clrMapOvr>
+</p:sld>
+</file>
+
+<file path=ppt/slides/slide12.xml><?xml version="1.0" encoding="utf-8"?>
+<p:sld xmlns:a="http://schemas.openxmlformats.org/drawingml/2006/main" xmlns:r="http://schemas.openxmlformats.org/officeDocument/2006/relationships" xmlns:p="http://schemas.openxmlformats.org/presentationml/2006/main">
+  <p:cSld>
+    <p:spTree>
+      <p:nvGrpSpPr>
+        <p:cNvPr id="1" name=""/>
+        <p:cNvGrpSpPr/>
+        <p:nvPr/>
+      </p:nvGrpSpPr>
+      <p:grpSpPr>
+        <a:xfrm>
+          <a:off x="0" y="0"/>
+          <a:ext cx="0" cy="0"/>
+          <a:chOff x="0" y="0"/>
+          <a:chExt cx="0" cy="0"/>
+        </a:xfrm>
+      </p:grpSpPr>
+      <p:sp>
+        <p:nvSpPr>
+          <p:cNvPr id="2" name="Title 1">
+            <a:extLst>
+              <a:ext uri="{FF2B5EF4-FFF2-40B4-BE49-F238E27FC236}">
                 <a16:creationId xmlns:a16="http://schemas.microsoft.com/office/drawing/2014/main" id="{CC5D17C6-D55A-FA6E-7C80-326532398BAC}"/>
               </a:ext>
             </a:extLst>

--- a/Premier League 2020-21 - Working.pptx
+++ b/Premier League 2020-21 - Working.pptx
@@ -13445,34 +13445,40 @@
           </a:p>
         </p:txBody>
       </p:sp>
-      <p:sp>
-        <p:nvSpPr>
-          <p:cNvPr id="3" name="Content Placeholder 2">
+      <p:pic>
+        <p:nvPicPr>
+          <p:cNvPr id="5" name="Content Placeholder 4">
             <a:extLst>
               <a:ext uri="{FF2B5EF4-FFF2-40B4-BE49-F238E27FC236}">
-                <a16:creationId xmlns:a16="http://schemas.microsoft.com/office/drawing/2014/main" id="{7EBA5C5A-AA00-3B18-D147-C6FDF92AF321}"/>
+                <a16:creationId xmlns:a16="http://schemas.microsoft.com/office/drawing/2014/main" id="{5FBAFE5F-F224-016D-CCA5-9CE92AD9D7EA}"/>
               </a:ext>
             </a:extLst>
           </p:cNvPr>
-          <p:cNvSpPr>
-            <a:spLocks noGrp="1"/>
-          </p:cNvSpPr>
+          <p:cNvPicPr>
+            <a:picLocks noGrp="1" noChangeAspect="1"/>
+          </p:cNvPicPr>
           <p:nvPr>
             <p:ph idx="1"/>
           </p:nvPr>
-        </p:nvSpPr>
-        <p:spPr/>
-        <p:txBody>
-          <a:bodyPr/>
-          <a:lstStyle/>
-          <a:p>
-            <a:pPr marL="0" indent="0">
-              <a:buNone/>
-            </a:pPr>
-            <a:endParaRPr lang="en-US" dirty="0"/>
-          </a:p>
-        </p:txBody>
-      </p:sp>
+        </p:nvPicPr>
+        <p:blipFill>
+          <a:blip r:embed="rId2">
+            <a:extLst>
+              <a:ext uri="{28A0092B-C50C-407E-A947-70E740481C1C}">
+                <a14:useLocalDpi xmlns:a14="http://schemas.microsoft.com/office/drawing/2010/main" val="0"/>
+              </a:ext>
+            </a:extLst>
+          </a:blip>
+          <a:srcRect/>
+          <a:stretch/>
+        </p:blipFill>
+        <p:spPr>
+          <a:xfrm>
+            <a:off x="180169" y="2570672"/>
+            <a:ext cx="6186125" cy="3217653"/>
+          </a:xfrm>
+        </p:spPr>
+      </p:pic>
     </p:spTree>
     <p:extLst>
       <p:ext uri="{BB962C8B-B14F-4D97-AF65-F5344CB8AC3E}">
@@ -14363,15 +14369,20 @@
           <p:nvPr/>
         </p:nvPicPr>
         <p:blipFill>
-          <a:blip r:embed="rId2"/>
-          <a:stretch>
-            <a:fillRect/>
-          </a:stretch>
+          <a:blip r:embed="rId2">
+            <a:extLst>
+              <a:ext uri="{28A0092B-C50C-407E-A947-70E740481C1C}">
+                <a14:useLocalDpi xmlns:a14="http://schemas.microsoft.com/office/drawing/2010/main" val="0"/>
+              </a:ext>
+            </a:extLst>
+          </a:blip>
+          <a:srcRect/>
+          <a:stretch/>
         </p:blipFill>
         <p:spPr>
           <a:xfrm>
-            <a:off x="1154954" y="2933685"/>
-            <a:ext cx="3296276" cy="3778658"/>
+            <a:off x="700954" y="3184016"/>
+            <a:ext cx="2965272" cy="2948828"/>
           </a:xfrm>
           <a:prstGeom prst="rect">
             <a:avLst/>
@@ -14393,15 +14404,20 @@
           <p:nvPr/>
         </p:nvPicPr>
         <p:blipFill>
-          <a:blip r:embed="rId3"/>
-          <a:stretch>
-            <a:fillRect/>
-          </a:stretch>
+          <a:blip r:embed="rId3">
+            <a:extLst>
+              <a:ext uri="{28A0092B-C50C-407E-A947-70E740481C1C}">
+                <a14:useLocalDpi xmlns:a14="http://schemas.microsoft.com/office/drawing/2010/main" val="0"/>
+              </a:ext>
+            </a:extLst>
+          </a:blip>
+          <a:srcRect/>
+          <a:stretch/>
         </p:blipFill>
         <p:spPr>
           <a:xfrm>
-            <a:off x="4554870" y="2933685"/>
-            <a:ext cx="3721276" cy="2009251"/>
+            <a:off x="3946824" y="3183821"/>
+            <a:ext cx="4307959" cy="2948828"/>
           </a:xfrm>
           <a:prstGeom prst="rect">
             <a:avLst/>
@@ -14423,15 +14439,20 @@
           <p:nvPr/>
         </p:nvPicPr>
         <p:blipFill>
-          <a:blip r:embed="rId4"/>
-          <a:stretch>
-            <a:fillRect/>
-          </a:stretch>
+          <a:blip r:embed="rId4">
+            <a:extLst>
+              <a:ext uri="{28A0092B-C50C-407E-A947-70E740481C1C}">
+                <a14:useLocalDpi xmlns:a14="http://schemas.microsoft.com/office/drawing/2010/main" val="0"/>
+              </a:ext>
+            </a:extLst>
+          </a:blip>
+          <a:srcRect/>
+          <a:stretch/>
         </p:blipFill>
         <p:spPr>
           <a:xfrm>
-            <a:off x="8388386" y="2933685"/>
-            <a:ext cx="3102660" cy="3778658"/>
+            <a:off x="8429283" y="3184015"/>
+            <a:ext cx="3311268" cy="2948633"/>
           </a:xfrm>
           <a:prstGeom prst="rect">
             <a:avLst/>

--- a/Premier League 2020-21 - Working.pptx
+++ b/Premier League 2020-21 - Working.pptx
@@ -15,8 +15,9 @@
     <p:sldId id="263" r:id="rId9"/>
     <p:sldId id="264" r:id="rId10"/>
     <p:sldId id="265" r:id="rId11"/>
-    <p:sldId id="267" r:id="rId12"/>
-    <p:sldId id="266" r:id="rId13"/>
+    <p:sldId id="268" r:id="rId12"/>
+    <p:sldId id="267" r:id="rId13"/>
+    <p:sldId id="266" r:id="rId14"/>
   </p:sldIdLst>
   <p:sldSz cx="12192000" cy="6858000"/>
   <p:notesSz cx="6858000" cy="9144000"/>
@@ -13474,11 +13475,152 @@
         </p:blipFill>
         <p:spPr>
           <a:xfrm>
-            <a:off x="180169" y="2570672"/>
-            <a:ext cx="6186125" cy="3217653"/>
+            <a:off x="180170" y="2868231"/>
+            <a:ext cx="5614048" cy="2920093"/>
           </a:xfrm>
         </p:spPr>
       </p:pic>
+      <p:pic>
+        <p:nvPicPr>
+          <p:cNvPr id="4" name="Picture 3" descr="Chart, bubble chart">
+            <a:extLst>
+              <a:ext uri="{FF2B5EF4-FFF2-40B4-BE49-F238E27FC236}">
+                <a16:creationId xmlns:a16="http://schemas.microsoft.com/office/drawing/2014/main" id="{82E32DE8-6CA0-8B02-72BA-6F99F87DD464}"/>
+              </a:ext>
+            </a:extLst>
+          </p:cNvPr>
+          <p:cNvPicPr>
+            <a:picLocks noChangeAspect="1"/>
+          </p:cNvPicPr>
+          <p:nvPr/>
+        </p:nvPicPr>
+        <p:blipFill>
+          <a:blip r:embed="rId3">
+            <a:extLst>
+              <a:ext uri="{28A0092B-C50C-407E-A947-70E740481C1C}">
+                <a14:useLocalDpi xmlns:a14="http://schemas.microsoft.com/office/drawing/2010/main" val="0"/>
+              </a:ext>
+            </a:extLst>
+          </a:blip>
+          <a:stretch>
+            <a:fillRect/>
+          </a:stretch>
+        </p:blipFill>
+        <p:spPr>
+          <a:xfrm>
+            <a:off x="5877947" y="2894357"/>
+            <a:ext cx="6208429" cy="2893968"/>
+          </a:xfrm>
+          <a:prstGeom prst="rect">
+            <a:avLst/>
+          </a:prstGeom>
+        </p:spPr>
+      </p:pic>
+      <p:sp>
+        <p:nvSpPr>
+          <p:cNvPr id="6" name="TextBox 5">
+            <a:extLst>
+              <a:ext uri="{FF2B5EF4-FFF2-40B4-BE49-F238E27FC236}">
+                <a16:creationId xmlns:a16="http://schemas.microsoft.com/office/drawing/2014/main" id="{AB88E213-C6BE-EDF2-763C-EF2E1000B0FA}"/>
+              </a:ext>
+            </a:extLst>
+          </p:cNvPr>
+          <p:cNvSpPr txBox="1"/>
+          <p:nvPr/>
+        </p:nvSpPr>
+        <p:spPr>
+          <a:xfrm>
+            <a:off x="344031" y="5866646"/>
+            <a:ext cx="1258431" cy="369332"/>
+          </a:xfrm>
+          <a:prstGeom prst="rect">
+            <a:avLst/>
+          </a:prstGeom>
+          <a:noFill/>
+        </p:spPr>
+        <p:txBody>
+          <a:bodyPr wrap="square" rtlCol="0">
+            <a:spAutoFit/>
+          </a:bodyPr>
+          <a:lstStyle/>
+          <a:p>
+            <a:r>
+              <a:rPr lang="en-US" dirty="0"/>
+              <a:t>Bar Chart </a:t>
+            </a:r>
+          </a:p>
+        </p:txBody>
+      </p:sp>
+      <p:sp>
+        <p:nvSpPr>
+          <p:cNvPr id="7" name="TextBox 6">
+            <a:extLst>
+              <a:ext uri="{FF2B5EF4-FFF2-40B4-BE49-F238E27FC236}">
+                <a16:creationId xmlns:a16="http://schemas.microsoft.com/office/drawing/2014/main" id="{EF6BFE77-47F2-6F58-8362-5DD2EFDD3318}"/>
+              </a:ext>
+            </a:extLst>
+          </p:cNvPr>
+          <p:cNvSpPr txBox="1"/>
+          <p:nvPr/>
+        </p:nvSpPr>
+        <p:spPr>
+          <a:xfrm>
+            <a:off x="2750743" y="5866646"/>
+            <a:ext cx="2710744" cy="369332"/>
+          </a:xfrm>
+          <a:prstGeom prst="rect">
+            <a:avLst/>
+          </a:prstGeom>
+          <a:noFill/>
+        </p:spPr>
+        <p:txBody>
+          <a:bodyPr wrap="square" rtlCol="0">
+            <a:spAutoFit/>
+          </a:bodyPr>
+          <a:lstStyle/>
+          <a:p>
+            <a:r>
+              <a:rPr lang="en-US" dirty="0"/>
+              <a:t>Bar Chart Comparison</a:t>
+            </a:r>
+          </a:p>
+        </p:txBody>
+      </p:sp>
+      <p:sp>
+        <p:nvSpPr>
+          <p:cNvPr id="8" name="TextBox 7">
+            <a:extLst>
+              <a:ext uri="{FF2B5EF4-FFF2-40B4-BE49-F238E27FC236}">
+                <a16:creationId xmlns:a16="http://schemas.microsoft.com/office/drawing/2014/main" id="{FA0BA321-B5DE-F417-A51C-8ADDBAFC7697}"/>
+              </a:ext>
+            </a:extLst>
+          </p:cNvPr>
+          <p:cNvSpPr txBox="1"/>
+          <p:nvPr/>
+        </p:nvSpPr>
+        <p:spPr>
+          <a:xfrm>
+            <a:off x="8085885" y="5865805"/>
+            <a:ext cx="2710744" cy="369332"/>
+          </a:xfrm>
+          <a:prstGeom prst="rect">
+            <a:avLst/>
+          </a:prstGeom>
+          <a:noFill/>
+        </p:spPr>
+        <p:txBody>
+          <a:bodyPr wrap="square" rtlCol="0">
+            <a:spAutoFit/>
+          </a:bodyPr>
+          <a:lstStyle/>
+          <a:p>
+            <a:r>
+              <a:rPr lang="en-US" dirty="0"/>
+              <a:t>Bubble Chart</a:t>
+            </a:r>
+          </a:p>
+        </p:txBody>
+      </p:sp>
     </p:spTree>
     <p:extLst>
       <p:ext uri="{BB962C8B-B14F-4D97-AF65-F5344CB8AC3E}">
@@ -13493,6 +13635,96 @@
 </file>
 
 <file path=ppt/slides/slide11.xml><?xml version="1.0" encoding="utf-8"?>
+<p:sld xmlns:a="http://schemas.openxmlformats.org/drawingml/2006/main" xmlns:r="http://schemas.openxmlformats.org/officeDocument/2006/relationships" xmlns:p="http://schemas.openxmlformats.org/presentationml/2006/main">
+  <p:cSld>
+    <p:spTree>
+      <p:nvGrpSpPr>
+        <p:cNvPr id="1" name=""/>
+        <p:cNvGrpSpPr/>
+        <p:nvPr/>
+      </p:nvGrpSpPr>
+      <p:grpSpPr>
+        <a:xfrm>
+          <a:off x="0" y="0"/>
+          <a:ext cx="0" cy="0"/>
+          <a:chOff x="0" y="0"/>
+          <a:chExt cx="0" cy="0"/>
+        </a:xfrm>
+      </p:grpSpPr>
+      <p:sp>
+        <p:nvSpPr>
+          <p:cNvPr id="2" name="Title 1">
+            <a:extLst>
+              <a:ext uri="{FF2B5EF4-FFF2-40B4-BE49-F238E27FC236}">
+                <a16:creationId xmlns:a16="http://schemas.microsoft.com/office/drawing/2014/main" id="{83BFCF4D-D9A1-AC2A-47F7-0725A372470D}"/>
+              </a:ext>
+            </a:extLst>
+          </p:cNvPr>
+          <p:cNvSpPr>
+            <a:spLocks noGrp="1"/>
+          </p:cNvSpPr>
+          <p:nvPr>
+            <p:ph type="title"/>
+          </p:nvPr>
+        </p:nvSpPr>
+        <p:spPr/>
+        <p:txBody>
+          <a:bodyPr/>
+          <a:lstStyle/>
+          <a:p>
+            <a:r>
+              <a:rPr lang="en-US" dirty="0"/>
+              <a:t>Final Product</a:t>
+            </a:r>
+          </a:p>
+        </p:txBody>
+      </p:sp>
+      <p:sp>
+        <p:nvSpPr>
+          <p:cNvPr id="6" name="Content Placeholder 5">
+            <a:extLst>
+              <a:ext uri="{FF2B5EF4-FFF2-40B4-BE49-F238E27FC236}">
+                <a16:creationId xmlns:a16="http://schemas.microsoft.com/office/drawing/2014/main" id="{233E71BD-0F14-9E9D-AB26-5881072311AE}"/>
+              </a:ext>
+            </a:extLst>
+          </p:cNvPr>
+          <p:cNvSpPr>
+            <a:spLocks noGrp="1"/>
+          </p:cNvSpPr>
+          <p:nvPr>
+            <p:ph idx="1"/>
+          </p:nvPr>
+        </p:nvSpPr>
+        <p:spPr/>
+        <p:txBody>
+          <a:bodyPr/>
+          <a:lstStyle/>
+          <a:p>
+            <a:pPr algn="ctr"/>
+            <a:r>
+              <a:rPr lang="en-US" sz="4000" dirty="0"/>
+              <a:t>LIVE DEMO OF WORKING SITE</a:t>
+            </a:r>
+          </a:p>
+          <a:p>
+            <a:endParaRPr lang="en-US" dirty="0"/>
+          </a:p>
+        </p:txBody>
+      </p:sp>
+    </p:spTree>
+    <p:extLst>
+      <p:ext uri="{BB962C8B-B14F-4D97-AF65-F5344CB8AC3E}">
+        <p14:creationId xmlns:p14="http://schemas.microsoft.com/office/powerpoint/2010/main" val="2387857324"/>
+      </p:ext>
+    </p:extLst>
+  </p:cSld>
+  <p:clrMapOvr>
+    <a:masterClrMapping/>
+  </p:clrMapOvr>
+</p:sld>
+</file>
+
+<file path=ppt/slides/slide12.xml><?xml version="1.0" encoding="utf-8"?>
 <p:sld xmlns:a="http://schemas.openxmlformats.org/drawingml/2006/main" xmlns:r="http://schemas.openxmlformats.org/officeDocument/2006/relationships" xmlns:p="http://schemas.openxmlformats.org/presentationml/2006/main">
   <p:cSld>
     <p:spTree>
@@ -13579,7 +13811,7 @@
 </p:sld>
 </file>
 
-<file path=ppt/slides/slide12.xml><?xml version="1.0" encoding="utf-8"?>
+<file path=ppt/slides/slide13.xml><?xml version="1.0" encoding="utf-8"?>
 <p:sld xmlns:a="http://schemas.openxmlformats.org/drawingml/2006/main" xmlns:r="http://schemas.openxmlformats.org/officeDocument/2006/relationships" xmlns:p="http://schemas.openxmlformats.org/presentationml/2006/main">
   <p:cSld>
     <p:spTree>

--- a/Premier League 2020-21 - Working.pptx
+++ b/Premier League 2020-21 - Working.pptx
@@ -14210,15 +14210,7 @@
           <a:p>
             <a:r>
               <a:rPr lang="en-US" dirty="0"/>
-              <a:t>Querying </a:t>
-            </a:r>
-            <a:r>
-              <a:rPr lang="en-US" dirty="0" err="1"/>
-              <a:t>DataFrame</a:t>
-            </a:r>
-            <a:r>
-              <a:rPr lang="en-US" dirty="0"/>
-              <a:t> to pull out category leaders</a:t>
+              <a:t>Querying Data Frame to pull out category leaders</a:t>
             </a:r>
           </a:p>
           <a:p>
@@ -14888,7 +14880,15 @@
           <a:p>
             <a:r>
               <a:rPr lang="en-US" dirty="0"/>
-              <a:t>JavaScript Libraries used: Leaflet, D3, MagicMouse.js</a:t>
+              <a:t>JavaScript Libraries used: </a:t>
+            </a:r>
+            <a:r>
+              <a:rPr lang="en-US" dirty="0" err="1"/>
+              <a:t>Plotly</a:t>
+            </a:r>
+            <a:r>
+              <a:rPr lang="en-US" dirty="0"/>
+              <a:t>, D3, MagicMouse.js</a:t>
             </a:r>
           </a:p>
         </p:txBody>

--- a/Premier League 2020-21 - Working.pptx
+++ b/Premier League 2020-21 - Working.pptx
@@ -17,7 +17,6 @@
     <p:sldId id="265" r:id="rId11"/>
     <p:sldId id="268" r:id="rId12"/>
     <p:sldId id="267" r:id="rId13"/>
-    <p:sldId id="266" r:id="rId14"/>
   </p:sldIdLst>
   <p:sldSz cx="12192000" cy="6858000"/>
   <p:notesSz cx="6858000" cy="9144000"/>
@@ -459,7 +458,7 @@
           <a:p>
             <a:fld id="{C79D3A0E-9520-40BA-B258-423C6447C69C}" type="datetimeFigureOut">
               <a:rPr lang="en-US" smtClean="0"/>
-              <a:t>7/15/2022</a:t>
+              <a:t>7/16/2022</a:t>
             </a:fld>
             <a:endParaRPr lang="en-US"/>
           </a:p>
@@ -1547,7 +1546,7 @@
           <a:p>
             <a:fld id="{C79D3A0E-9520-40BA-B258-423C6447C69C}" type="datetimeFigureOut">
               <a:rPr lang="en-US" smtClean="0"/>
-              <a:t>7/15/2022</a:t>
+              <a:t>7/16/2022</a:t>
             </a:fld>
             <a:endParaRPr lang="en-US"/>
           </a:p>
@@ -2527,7 +2526,7 @@
           <a:p>
             <a:fld id="{C79D3A0E-9520-40BA-B258-423C6447C69C}" type="datetimeFigureOut">
               <a:rPr lang="en-US" smtClean="0"/>
-              <a:t>7/15/2022</a:t>
+              <a:t>7/16/2022</a:t>
             </a:fld>
             <a:endParaRPr lang="en-US"/>
           </a:p>
@@ -3661,7 +3660,7 @@
           <a:p>
             <a:fld id="{C79D3A0E-9520-40BA-B258-423C6447C69C}" type="datetimeFigureOut">
               <a:rPr lang="en-US" smtClean="0"/>
-              <a:t>7/15/2022</a:t>
+              <a:t>7/16/2022</a:t>
             </a:fld>
             <a:endParaRPr lang="en-US"/>
           </a:p>
@@ -4694,7 +4693,7 @@
           <a:p>
             <a:fld id="{C79D3A0E-9520-40BA-B258-423C6447C69C}" type="datetimeFigureOut">
               <a:rPr lang="en-US" smtClean="0"/>
-              <a:t>7/15/2022</a:t>
+              <a:t>7/16/2022</a:t>
             </a:fld>
             <a:endParaRPr lang="en-US"/>
           </a:p>
@@ -5354,7 +5353,7 @@
           <a:p>
             <a:fld id="{C79D3A0E-9520-40BA-B258-423C6447C69C}" type="datetimeFigureOut">
               <a:rPr lang="en-US" smtClean="0"/>
-              <a:t>7/15/2022</a:t>
+              <a:t>7/16/2022</a:t>
             </a:fld>
             <a:endParaRPr lang="en-US"/>
           </a:p>
@@ -6215,7 +6214,7 @@
           <a:p>
             <a:fld id="{C79D3A0E-9520-40BA-B258-423C6447C69C}" type="datetimeFigureOut">
               <a:rPr lang="en-US" smtClean="0"/>
-              <a:t>7/15/2022</a:t>
+              <a:t>7/16/2022</a:t>
             </a:fld>
             <a:endParaRPr lang="en-US"/>
           </a:p>
@@ -6405,7 +6404,7 @@
           <a:p>
             <a:fld id="{C79D3A0E-9520-40BA-B258-423C6447C69C}" type="datetimeFigureOut">
               <a:rPr lang="en-US" smtClean="0"/>
-              <a:t>7/15/2022</a:t>
+              <a:t>7/16/2022</a:t>
             </a:fld>
             <a:endParaRPr lang="en-US"/>
           </a:p>
@@ -7377,7 +7376,7 @@
           <a:p>
             <a:fld id="{C79D3A0E-9520-40BA-B258-423C6447C69C}" type="datetimeFigureOut">
               <a:rPr lang="en-US" smtClean="0"/>
-              <a:t>7/15/2022</a:t>
+              <a:t>7/16/2022</a:t>
             </a:fld>
             <a:endParaRPr lang="en-US"/>
           </a:p>
@@ -7588,7 +7587,7 @@
           <a:p>
             <a:fld id="{C79D3A0E-9520-40BA-B258-423C6447C69C}" type="datetimeFigureOut">
               <a:rPr lang="en-US" smtClean="0"/>
-              <a:t>7/15/2022</a:t>
+              <a:t>7/16/2022</a:t>
             </a:fld>
             <a:endParaRPr lang="en-US"/>
           </a:p>
@@ -8622,7 +8621,7 @@
           <a:p>
             <a:fld id="{C79D3A0E-9520-40BA-B258-423C6447C69C}" type="datetimeFigureOut">
               <a:rPr lang="en-US" smtClean="0"/>
-              <a:t>7/15/2022</a:t>
+              <a:t>7/16/2022</a:t>
             </a:fld>
             <a:endParaRPr lang="en-US"/>
           </a:p>
@@ -8894,7 +8893,7 @@
           <a:p>
             <a:fld id="{C79D3A0E-9520-40BA-B258-423C6447C69C}" type="datetimeFigureOut">
               <a:rPr lang="en-US" smtClean="0"/>
-              <a:t>7/15/2022</a:t>
+              <a:t>7/16/2022</a:t>
             </a:fld>
             <a:endParaRPr lang="en-US"/>
           </a:p>
@@ -9304,7 +9303,7 @@
           <a:p>
             <a:fld id="{C79D3A0E-9520-40BA-B258-423C6447C69C}" type="datetimeFigureOut">
               <a:rPr lang="en-US" smtClean="0"/>
-              <a:t>7/15/2022</a:t>
+              <a:t>7/16/2022</a:t>
             </a:fld>
             <a:endParaRPr lang="en-US"/>
           </a:p>
@@ -9431,7 +9430,7 @@
           <a:p>
             <a:fld id="{C79D3A0E-9520-40BA-B258-423C6447C69C}" type="datetimeFigureOut">
               <a:rPr lang="en-US" smtClean="0"/>
-              <a:t>7/15/2022</a:t>
+              <a:t>7/16/2022</a:t>
             </a:fld>
             <a:endParaRPr lang="en-US"/>
           </a:p>
@@ -9526,7 +9525,7 @@
           <a:p>
             <a:fld id="{C79D3A0E-9520-40BA-B258-423C6447C69C}" type="datetimeFigureOut">
               <a:rPr lang="en-US" smtClean="0"/>
-              <a:t>7/15/2022</a:t>
+              <a:t>7/16/2022</a:t>
             </a:fld>
             <a:endParaRPr lang="en-US"/>
           </a:p>
@@ -10607,7 +10606,7 @@
           <a:p>
             <a:fld id="{C79D3A0E-9520-40BA-B258-423C6447C69C}" type="datetimeFigureOut">
               <a:rPr lang="en-US" smtClean="0"/>
-              <a:t>7/15/2022</a:t>
+              <a:t>7/16/2022</a:t>
             </a:fld>
             <a:endParaRPr lang="en-US"/>
           </a:p>
@@ -11715,7 +11714,7 @@
           <a:p>
             <a:fld id="{C79D3A0E-9520-40BA-B258-423C6447C69C}" type="datetimeFigureOut">
               <a:rPr lang="en-US" smtClean="0"/>
-              <a:t>7/15/2022</a:t>
+              <a:t>7/16/2022</a:t>
             </a:fld>
             <a:endParaRPr lang="en-US"/>
           </a:p>
@@ -12712,7 +12711,7 @@
           <a:p>
             <a:fld id="{C79D3A0E-9520-40BA-B258-423C6447C69C}" type="datetimeFigureOut">
               <a:rPr lang="en-US" smtClean="0"/>
-              <a:t>7/15/2022</a:t>
+              <a:t>7/16/2022</a:t>
             </a:fld>
             <a:endParaRPr lang="en-US"/>
           </a:p>
@@ -13773,131 +13772,10 @@
           </a:p>
         </p:txBody>
       </p:sp>
-      <p:sp>
-        <p:nvSpPr>
-          <p:cNvPr id="3" name="Subtitle 2">
-            <a:extLst>
-              <a:ext uri="{FF2B5EF4-FFF2-40B4-BE49-F238E27FC236}">
-                <a16:creationId xmlns:a16="http://schemas.microsoft.com/office/drawing/2014/main" id="{44D616BE-73E5-288E-E390-1AC670198AA7}"/>
-              </a:ext>
-            </a:extLst>
-          </p:cNvPr>
-          <p:cNvSpPr>
-            <a:spLocks noGrp="1"/>
-          </p:cNvSpPr>
-          <p:nvPr>
-            <p:ph type="subTitle" idx="1"/>
-          </p:nvPr>
-        </p:nvSpPr>
-        <p:spPr/>
-        <p:txBody>
-          <a:bodyPr/>
-          <a:lstStyle/>
-          <a:p>
-            <a:endParaRPr lang="en-US"/>
-          </a:p>
-        </p:txBody>
-      </p:sp>
     </p:spTree>
     <p:extLst>
       <p:ext uri="{BB962C8B-B14F-4D97-AF65-F5344CB8AC3E}">
         <p14:creationId xmlns:p14="http://schemas.microsoft.com/office/powerpoint/2010/main" val="348056991"/>
-      </p:ext>
-    </p:extLst>
-  </p:cSld>
-  <p:clrMapOvr>
-    <a:masterClrMapping/>
-  </p:clrMapOvr>
-</p:sld>
-</file>
-
-<file path=ppt/slides/slide13.xml><?xml version="1.0" encoding="utf-8"?>
-<p:sld xmlns:a="http://schemas.openxmlformats.org/drawingml/2006/main" xmlns:r="http://schemas.openxmlformats.org/officeDocument/2006/relationships" xmlns:p="http://schemas.openxmlformats.org/presentationml/2006/main">
-  <p:cSld>
-    <p:spTree>
-      <p:nvGrpSpPr>
-        <p:cNvPr id="1" name=""/>
-        <p:cNvGrpSpPr/>
-        <p:nvPr/>
-      </p:nvGrpSpPr>
-      <p:grpSpPr>
-        <a:xfrm>
-          <a:off x="0" y="0"/>
-          <a:ext cx="0" cy="0"/>
-          <a:chOff x="0" y="0"/>
-          <a:chExt cx="0" cy="0"/>
-        </a:xfrm>
-      </p:grpSpPr>
-      <p:sp>
-        <p:nvSpPr>
-          <p:cNvPr id="2" name="Title 1">
-            <a:extLst>
-              <a:ext uri="{FF2B5EF4-FFF2-40B4-BE49-F238E27FC236}">
-                <a16:creationId xmlns:a16="http://schemas.microsoft.com/office/drawing/2014/main" id="{CC5D17C6-D55A-FA6E-7C80-326532398BAC}"/>
-              </a:ext>
-            </a:extLst>
-          </p:cNvPr>
-          <p:cNvSpPr>
-            <a:spLocks noGrp="1"/>
-          </p:cNvSpPr>
-          <p:nvPr>
-            <p:ph type="title"/>
-          </p:nvPr>
-        </p:nvSpPr>
-        <p:spPr/>
-        <p:txBody>
-          <a:bodyPr/>
-          <a:lstStyle/>
-          <a:p>
-            <a:r>
-              <a:rPr lang="en-US" dirty="0"/>
-              <a:t>Acknowledgments</a:t>
-            </a:r>
-          </a:p>
-        </p:txBody>
-      </p:sp>
-      <p:sp>
-        <p:nvSpPr>
-          <p:cNvPr id="3" name="Content Placeholder 2">
-            <a:extLst>
-              <a:ext uri="{FF2B5EF4-FFF2-40B4-BE49-F238E27FC236}">
-                <a16:creationId xmlns:a16="http://schemas.microsoft.com/office/drawing/2014/main" id="{C0D933ED-C4FF-D857-8B7B-3082F16B4B09}"/>
-              </a:ext>
-            </a:extLst>
-          </p:cNvPr>
-          <p:cNvSpPr>
-            <a:spLocks noGrp="1"/>
-          </p:cNvSpPr>
-          <p:nvPr>
-            <p:ph idx="1"/>
-          </p:nvPr>
-        </p:nvSpPr>
-        <p:spPr>
-          <a:xfrm>
-            <a:off x="1154954" y="3630044"/>
-            <a:ext cx="8825659" cy="1140364"/>
-          </a:xfrm>
-        </p:spPr>
-        <p:txBody>
-          <a:bodyPr>
-            <a:normAutofit/>
-          </a:bodyPr>
-          <a:lstStyle/>
-          <a:p>
-            <a:pPr marL="0" indent="0" algn="ctr">
-              <a:buNone/>
-            </a:pPr>
-            <a:r>
-              <a:rPr lang="en-US" sz="3200" dirty="0"/>
-              <a:t>A huge thanks to Rashmi’s husband for all of his suggestions and help</a:t>
-            </a:r>
-          </a:p>
-        </p:txBody>
-      </p:sp>
-    </p:spTree>
-    <p:extLst>
-      <p:ext uri="{BB962C8B-B14F-4D97-AF65-F5344CB8AC3E}">
-        <p14:creationId xmlns:p14="http://schemas.microsoft.com/office/powerpoint/2010/main" val="1157237650"/>
       </p:ext>
     </p:extLst>
   </p:cSld>
